--- a/HITO 3/PROCESUAL/Procesual.pptx
+++ b/HITO 3/PROCESUAL/Procesual.pptx
@@ -5,7 +5,7 @@
     <p:sldMasterId id="2147483678" r:id="rId1"/>
   </p:sldMasterIdLst>
   <p:notesMasterIdLst>
-    <p:notesMasterId r:id="rId19"/>
+    <p:notesMasterId r:id="rId18"/>
   </p:notesMasterIdLst>
   <p:sldIdLst>
     <p:sldId id="256" r:id="rId2"/>
@@ -20,51 +20,50 @@
     <p:sldId id="320" r:id="rId11"/>
     <p:sldId id="337" r:id="rId12"/>
     <p:sldId id="347" r:id="rId13"/>
-    <p:sldId id="344" r:id="rId14"/>
-    <p:sldId id="345" r:id="rId15"/>
-    <p:sldId id="346" r:id="rId16"/>
-    <p:sldId id="348" r:id="rId17"/>
-    <p:sldId id="349" r:id="rId18"/>
+    <p:sldId id="345" r:id="rId14"/>
+    <p:sldId id="346" r:id="rId15"/>
+    <p:sldId id="348" r:id="rId16"/>
+    <p:sldId id="349" r:id="rId17"/>
   </p:sldIdLst>
   <p:sldSz cx="9144000" cy="5143500" type="screen16x9"/>
   <p:notesSz cx="6858000" cy="9144000"/>
   <p:embeddedFontLst>
     <p:embeddedFont>
       <p:font typeface="Noto Sans" panose="020B0502040504020204" pitchFamily="34" charset="0"/>
-      <p:regular r:id="rId20"/>
-      <p:bold r:id="rId21"/>
-      <p:italic r:id="rId22"/>
-      <p:boldItalic r:id="rId23"/>
+      <p:regular r:id="rId19"/>
+      <p:bold r:id="rId20"/>
+      <p:italic r:id="rId21"/>
+      <p:boldItalic r:id="rId22"/>
     </p:embeddedFont>
     <p:embeddedFont>
       <p:font typeface="Nunito Light" pitchFamily="2" charset="0"/>
-      <p:regular r:id="rId24"/>
-      <p:italic r:id="rId25"/>
+      <p:regular r:id="rId23"/>
+      <p:italic r:id="rId24"/>
     </p:embeddedFont>
     <p:embeddedFont>
       <p:font typeface="Poppins" panose="00000500000000000000" pitchFamily="2" charset="0"/>
-      <p:regular r:id="rId26"/>
-      <p:bold r:id="rId27"/>
-      <p:italic r:id="rId28"/>
-      <p:boldItalic r:id="rId29"/>
+      <p:regular r:id="rId25"/>
+      <p:bold r:id="rId26"/>
+      <p:italic r:id="rId27"/>
+      <p:boldItalic r:id="rId28"/>
     </p:embeddedFont>
     <p:embeddedFont>
       <p:font typeface="Proxima Nova" panose="020B0604020202020204" charset="0"/>
-      <p:regular r:id="rId30"/>
-      <p:bold r:id="rId31"/>
-      <p:italic r:id="rId32"/>
-      <p:boldItalic r:id="rId33"/>
+      <p:regular r:id="rId29"/>
+      <p:bold r:id="rId30"/>
+      <p:italic r:id="rId31"/>
+      <p:boldItalic r:id="rId32"/>
     </p:embeddedFont>
     <p:embeddedFont>
       <p:font typeface="VT323" panose="020B0604020202020204" charset="0"/>
-      <p:regular r:id="rId34"/>
+      <p:regular r:id="rId33"/>
     </p:embeddedFont>
     <p:embeddedFont>
       <p:font typeface="Work Sans" pitchFamily="2" charset="0"/>
-      <p:regular r:id="rId35"/>
-      <p:bold r:id="rId36"/>
-      <p:italic r:id="rId37"/>
-      <p:boldItalic r:id="rId38"/>
+      <p:regular r:id="rId34"/>
+      <p:bold r:id="rId35"/>
+      <p:italic r:id="rId36"/>
+      <p:boldItalic r:id="rId37"/>
     </p:embeddedFont>
   </p:embeddedFontLst>
   <p:defaultTextStyle>
@@ -1275,7 +1274,7 @@
     </p:spTree>
     <p:extLst>
       <p:ext uri="{BB962C8B-B14F-4D97-AF65-F5344CB8AC3E}">
-        <p14:creationId xmlns:p14="http://schemas.microsoft.com/office/powerpoint/2010/main" val="2786193381"/>
+        <p14:creationId xmlns:p14="http://schemas.microsoft.com/office/powerpoint/2010/main" val="4143795249"/>
       </p:ext>
     </p:extLst>
   </p:cSld>
@@ -1384,7 +1383,7 @@
     </p:spTree>
     <p:extLst>
       <p:ext uri="{BB962C8B-B14F-4D97-AF65-F5344CB8AC3E}">
-        <p14:creationId xmlns:p14="http://schemas.microsoft.com/office/powerpoint/2010/main" val="4143795249"/>
+        <p14:creationId xmlns:p14="http://schemas.microsoft.com/office/powerpoint/2010/main" val="1478924229"/>
       </p:ext>
     </p:extLst>
   </p:cSld>
@@ -1493,7 +1492,7 @@
     </p:spTree>
     <p:extLst>
       <p:ext uri="{BB962C8B-B14F-4D97-AF65-F5344CB8AC3E}">
-        <p14:creationId xmlns:p14="http://schemas.microsoft.com/office/powerpoint/2010/main" val="1478924229"/>
+        <p14:creationId xmlns:p14="http://schemas.microsoft.com/office/powerpoint/2010/main" val="3417379157"/>
       </p:ext>
     </p:extLst>
   </p:cSld>
@@ -1504,115 +1503,6 @@
 </file>
 
 <file path=ppt/notesSlides/notesSlide16.xml><?xml version="1.0" encoding="utf-8"?>
-<p:notes xmlns:a="http://schemas.openxmlformats.org/drawingml/2006/main" xmlns:r="http://schemas.openxmlformats.org/officeDocument/2006/relationships" xmlns:p="http://schemas.openxmlformats.org/presentationml/2006/main" showMasterSp="0" showMasterPhAnim="0">
-  <p:cSld>
-    <p:spTree>
-      <p:nvGrpSpPr>
-        <p:cNvPr id="1" name="Shape 2957"/>
-        <p:cNvGrpSpPr/>
-        <p:nvPr/>
-      </p:nvGrpSpPr>
-      <p:grpSpPr>
-        <a:xfrm>
-          <a:off x="0" y="0"/>
-          <a:ext cx="0" cy="0"/>
-          <a:chOff x="0" y="0"/>
-          <a:chExt cx="0" cy="0"/>
-        </a:xfrm>
-      </p:grpSpPr>
-      <p:sp>
-        <p:nvSpPr>
-          <p:cNvPr id="2958" name="Google Shape;2958;ge2c64a9ea7_0_29:notes"/>
-          <p:cNvSpPr>
-            <a:spLocks noGrp="1" noRot="1" noChangeAspect="1"/>
-          </p:cNvSpPr>
-          <p:nvPr>
-            <p:ph type="sldImg" idx="2"/>
-          </p:nvPr>
-        </p:nvSpPr>
-        <p:spPr>
-          <a:xfrm>
-            <a:off x="381000" y="685800"/>
-            <a:ext cx="6096000" cy="3429000"/>
-          </a:xfrm>
-          <a:custGeom>
-            <a:avLst/>
-            <a:gdLst/>
-            <a:ahLst/>
-            <a:cxnLst/>
-            <a:rect l="l" t="t" r="r" b="b"/>
-            <a:pathLst>
-              <a:path w="120000" h="120000" extrusionOk="0">
-                <a:moveTo>
-                  <a:pt x="0" y="0"/>
-                </a:moveTo>
-                <a:lnTo>
-                  <a:pt x="120000" y="0"/>
-                </a:lnTo>
-                <a:lnTo>
-                  <a:pt x="120000" y="120000"/>
-                </a:lnTo>
-                <a:lnTo>
-                  <a:pt x="0" y="120000"/>
-                </a:lnTo>
-                <a:close/>
-              </a:path>
-            </a:pathLst>
-          </a:custGeom>
-        </p:spPr>
-      </p:sp>
-      <p:sp>
-        <p:nvSpPr>
-          <p:cNvPr id="2959" name="Google Shape;2959;ge2c64a9ea7_0_29:notes"/>
-          <p:cNvSpPr txBox="1">
-            <a:spLocks noGrp="1"/>
-          </p:cNvSpPr>
-          <p:nvPr>
-            <p:ph type="body" idx="1"/>
-          </p:nvPr>
-        </p:nvSpPr>
-        <p:spPr>
-          <a:xfrm>
-            <a:off x="685800" y="4343400"/>
-            <a:ext cx="5486400" cy="4114800"/>
-          </a:xfrm>
-          <a:prstGeom prst="rect">
-            <a:avLst/>
-          </a:prstGeom>
-        </p:spPr>
-        <p:txBody>
-          <a:bodyPr spcFirstLastPara="1" wrap="square" lIns="91425" tIns="91425" rIns="91425" bIns="91425" anchor="t" anchorCtr="0">
-            <a:noAutofit/>
-          </a:bodyPr>
-          <a:lstStyle/>
-          <a:p>
-            <a:pPr marL="0" lvl="0" indent="0" algn="l" rtl="0">
-              <a:spcBef>
-                <a:spcPts val="0"/>
-              </a:spcBef>
-              <a:spcAft>
-                <a:spcPts val="0"/>
-              </a:spcAft>
-              <a:buNone/>
-            </a:pPr>
-            <a:endParaRPr/>
-          </a:p>
-        </p:txBody>
-      </p:sp>
-    </p:spTree>
-    <p:extLst>
-      <p:ext uri="{BB962C8B-B14F-4D97-AF65-F5344CB8AC3E}">
-        <p14:creationId xmlns:p14="http://schemas.microsoft.com/office/powerpoint/2010/main" val="3417379157"/>
-      </p:ext>
-    </p:extLst>
-  </p:cSld>
-  <p:clrMapOvr>
-    <a:masterClrMapping/>
-  </p:clrMapOvr>
-</p:notes>
-</file>
-
-<file path=ppt/notesSlides/notesSlide17.xml><?xml version="1.0" encoding="utf-8"?>
 <p:notes xmlns:a="http://schemas.openxmlformats.org/drawingml/2006/main" xmlns:r="http://schemas.openxmlformats.org/officeDocument/2006/relationships" xmlns:p="http://schemas.openxmlformats.org/presentationml/2006/main" showMasterSp="0" showMasterPhAnim="0">
   <p:cSld>
     <p:spTree>
@@ -37881,7 +37771,7 @@
     </p:spTree>
     <p:extLst>
       <p:ext uri="{BB962C8B-B14F-4D97-AF65-F5344CB8AC3E}">
-        <p14:creationId xmlns:p14="http://schemas.microsoft.com/office/powerpoint/2010/main" val="550226420"/>
+        <p14:creationId xmlns:p14="http://schemas.microsoft.com/office/powerpoint/2010/main" val="1681447684"/>
       </p:ext>
     </p:extLst>
   </p:cSld>
@@ -37892,229 +37782,6 @@
 </file>
 
 <file path=ppt/slides/slide14.xml><?xml version="1.0" encoding="utf-8"?>
-<p:sld xmlns:a="http://schemas.openxmlformats.org/drawingml/2006/main" xmlns:r="http://schemas.openxmlformats.org/officeDocument/2006/relationships" xmlns:p="http://schemas.openxmlformats.org/presentationml/2006/main">
-  <p:cSld>
-    <p:spTree>
-      <p:nvGrpSpPr>
-        <p:cNvPr id="1" name="Shape 2960"/>
-        <p:cNvGrpSpPr/>
-        <p:nvPr/>
-      </p:nvGrpSpPr>
-      <p:grpSpPr>
-        <a:xfrm>
-          <a:off x="0" y="0"/>
-          <a:ext cx="0" cy="0"/>
-          <a:chOff x="0" y="0"/>
-          <a:chExt cx="0" cy="0"/>
-        </a:xfrm>
-      </p:grpSpPr>
-      <p:sp>
-        <p:nvSpPr>
-          <p:cNvPr id="2962" name="Google Shape;2962;p36"/>
-          <p:cNvSpPr txBox="1">
-            <a:spLocks noGrp="1"/>
-          </p:cNvSpPr>
-          <p:nvPr>
-            <p:ph type="title" idx="2"/>
-          </p:nvPr>
-        </p:nvSpPr>
-        <p:spPr>
-          <a:xfrm flipH="1">
-            <a:off x="40606" y="0"/>
-            <a:ext cx="1038386" cy="1170472"/>
-          </a:xfrm>
-          <a:prstGeom prst="rect">
-            <a:avLst/>
-          </a:prstGeom>
-        </p:spPr>
-        <p:txBody>
-          <a:bodyPr spcFirstLastPara="1" wrap="square" lIns="0" tIns="91425" rIns="0" bIns="91425" anchor="ctr" anchorCtr="0">
-            <a:noAutofit/>
-          </a:bodyPr>
-          <a:lstStyle/>
-          <a:p>
-            <a:pPr marL="0" lvl="0" indent="0" algn="l" rtl="0">
-              <a:spcBef>
-                <a:spcPts val="0"/>
-              </a:spcBef>
-              <a:spcAft>
-                <a:spcPts val="0"/>
-              </a:spcAft>
-              <a:buNone/>
-            </a:pPr>
-            <a:r>
-              <a:rPr lang="en" sz="9600" dirty="0"/>
-              <a:t>02</a:t>
-            </a:r>
-            <a:endParaRPr sz="9600" dirty="0"/>
-          </a:p>
-        </p:txBody>
-      </p:sp>
-      <p:sp>
-        <p:nvSpPr>
-          <p:cNvPr id="2964" name="Google Shape;2964;p36"/>
-          <p:cNvSpPr/>
-          <p:nvPr/>
-        </p:nvSpPr>
-        <p:spPr>
-          <a:xfrm flipH="1">
-            <a:off x="5849673" y="1700476"/>
-            <a:ext cx="114594" cy="114594"/>
-          </a:xfrm>
-          <a:custGeom>
-            <a:avLst/>
-            <a:gdLst/>
-            <a:ahLst/>
-            <a:cxnLst/>
-            <a:rect l="l" t="t" r="r" b="b"/>
-            <a:pathLst>
-              <a:path w="564" h="564" extrusionOk="0">
-                <a:moveTo>
-                  <a:pt x="1" y="0"/>
-                </a:moveTo>
-                <a:lnTo>
-                  <a:pt x="1" y="563"/>
-                </a:lnTo>
-                <a:lnTo>
-                  <a:pt x="564" y="563"/>
-                </a:lnTo>
-                <a:lnTo>
-                  <a:pt x="564" y="0"/>
-                </a:lnTo>
-                <a:close/>
-              </a:path>
-            </a:pathLst>
-          </a:custGeom>
-          <a:solidFill>
-            <a:schemeClr val="accent5"/>
-          </a:solidFill>
-          <a:ln>
-            <a:noFill/>
-          </a:ln>
-        </p:spPr>
-        <p:txBody>
-          <a:bodyPr spcFirstLastPara="1" wrap="square" lIns="91425" tIns="91425" rIns="91425" bIns="91425" anchor="ctr" anchorCtr="0">
-            <a:noAutofit/>
-          </a:bodyPr>
-          <a:lstStyle/>
-          <a:p>
-            <a:pPr marL="0" lvl="0" indent="0" algn="l" rtl="0">
-              <a:spcBef>
-                <a:spcPts val="0"/>
-              </a:spcBef>
-              <a:spcAft>
-                <a:spcPts val="0"/>
-              </a:spcAft>
-              <a:buNone/>
-            </a:pPr>
-            <a:endParaRPr/>
-          </a:p>
-        </p:txBody>
-      </p:sp>
-      <p:pic>
-        <p:nvPicPr>
-          <p:cNvPr id="3" name="Imagen 2">
-            <a:extLst>
-              <a:ext uri="{FF2B5EF4-FFF2-40B4-BE49-F238E27FC236}">
-                <a16:creationId xmlns:a16="http://schemas.microsoft.com/office/drawing/2014/main" id="{C5B0C240-1803-4B75-408F-2D6C756EBE5F}"/>
-              </a:ext>
-            </a:extLst>
-          </p:cNvPr>
-          <p:cNvPicPr>
-            <a:picLocks noChangeAspect="1"/>
-          </p:cNvPicPr>
-          <p:nvPr/>
-        </p:nvPicPr>
-        <p:blipFill>
-          <a:blip r:embed="rId3"/>
-          <a:stretch>
-            <a:fillRect/>
-          </a:stretch>
-        </p:blipFill>
-        <p:spPr>
-          <a:xfrm>
-            <a:off x="237401" y="2040042"/>
-            <a:ext cx="3522490" cy="1694208"/>
-          </a:xfrm>
-          <a:prstGeom prst="rect">
-            <a:avLst/>
-          </a:prstGeom>
-        </p:spPr>
-      </p:pic>
-      <p:pic>
-        <p:nvPicPr>
-          <p:cNvPr id="6" name="Imagen 5">
-            <a:extLst>
-              <a:ext uri="{FF2B5EF4-FFF2-40B4-BE49-F238E27FC236}">
-                <a16:creationId xmlns:a16="http://schemas.microsoft.com/office/drawing/2014/main" id="{64B152EA-BB29-B1F5-3A0A-043B4F7B9D04}"/>
-              </a:ext>
-            </a:extLst>
-          </p:cNvPr>
-          <p:cNvPicPr>
-            <a:picLocks noChangeAspect="1"/>
-          </p:cNvPicPr>
-          <p:nvPr/>
-        </p:nvPicPr>
-        <p:blipFill>
-          <a:blip r:embed="rId4"/>
-          <a:stretch>
-            <a:fillRect/>
-          </a:stretch>
-        </p:blipFill>
-        <p:spPr>
-          <a:xfrm>
-            <a:off x="3903960" y="995512"/>
-            <a:ext cx="5148412" cy="2411583"/>
-          </a:xfrm>
-          <a:prstGeom prst="rect">
-            <a:avLst/>
-          </a:prstGeom>
-        </p:spPr>
-      </p:pic>
-      <p:pic>
-        <p:nvPicPr>
-          <p:cNvPr id="9" name="Imagen 8">
-            <a:extLst>
-              <a:ext uri="{FF2B5EF4-FFF2-40B4-BE49-F238E27FC236}">
-                <a16:creationId xmlns:a16="http://schemas.microsoft.com/office/drawing/2014/main" id="{BAAB3826-224F-DC45-B424-F139BB548037}"/>
-              </a:ext>
-            </a:extLst>
-          </p:cNvPr>
-          <p:cNvPicPr>
-            <a:picLocks noChangeAspect="1"/>
-          </p:cNvPicPr>
-          <p:nvPr/>
-        </p:nvPicPr>
-        <p:blipFill>
-          <a:blip r:embed="rId5"/>
-          <a:stretch>
-            <a:fillRect/>
-          </a:stretch>
-        </p:blipFill>
-        <p:spPr>
-          <a:xfrm>
-            <a:off x="4190457" y="3619862"/>
-            <a:ext cx="4575419" cy="598964"/>
-          </a:xfrm>
-          <a:prstGeom prst="rect">
-            <a:avLst/>
-          </a:prstGeom>
-        </p:spPr>
-      </p:pic>
-    </p:spTree>
-    <p:extLst>
-      <p:ext uri="{BB962C8B-B14F-4D97-AF65-F5344CB8AC3E}">
-        <p14:creationId xmlns:p14="http://schemas.microsoft.com/office/powerpoint/2010/main" val="1681447684"/>
-      </p:ext>
-    </p:extLst>
-  </p:cSld>
-  <p:clrMapOvr>
-    <a:masterClrMapping/>
-  </p:clrMapOvr>
-</p:sld>
-</file>
-
-<file path=ppt/slides/slide15.xml><?xml version="1.0" encoding="utf-8"?>
 <p:sld xmlns:a="http://schemas.openxmlformats.org/drawingml/2006/main" xmlns:r="http://schemas.openxmlformats.org/officeDocument/2006/relationships" xmlns:p="http://schemas.openxmlformats.org/presentationml/2006/main">
   <p:cSld>
     <p:spTree>
@@ -38366,7 +38033,7 @@
 </p:sld>
 </file>
 
-<file path=ppt/slides/slide16.xml><?xml version="1.0" encoding="utf-8"?>
+<file path=ppt/slides/slide15.xml><?xml version="1.0" encoding="utf-8"?>
 <p:sld xmlns:a="http://schemas.openxmlformats.org/drawingml/2006/main" xmlns:r="http://schemas.openxmlformats.org/officeDocument/2006/relationships" xmlns:p="http://schemas.openxmlformats.org/presentationml/2006/main">
   <p:cSld>
     <p:spTree>
@@ -38589,7 +38256,7 @@
 </p:sld>
 </file>
 
-<file path=ppt/slides/slide17.xml><?xml version="1.0" encoding="utf-8"?>
+<file path=ppt/slides/slide16.xml><?xml version="1.0" encoding="utf-8"?>
 <p:sld xmlns:a="http://schemas.openxmlformats.org/drawingml/2006/main" xmlns:r="http://schemas.openxmlformats.org/officeDocument/2006/relationships" xmlns:p="http://schemas.openxmlformats.org/presentationml/2006/main">
   <p:cSld>
     <p:spTree>
